--- a/Later/Spring/4_Dependency_Injection/36/Dependency Injection with static factory method_instance of another class.pptx
+++ b/Later/Spring/4_Dependency_Injection/36/Dependency Injection with static factory method_instance of another class.pptx
@@ -194,7 +194,7 @@
           <a:p>
             <a:fld id="{62274EC6-3890-417B-9308-14EFBD00FA63}" type="datetimeFigureOut">
               <a:rPr lang="en-US" smtClean="0"/>
-              <a:t>2/16/2018</a:t>
+              <a:t>2/20/2018</a:t>
             </a:fld>
             <a:endParaRPr lang="en-US" dirty="0"/>
           </a:p>
@@ -911,7 +911,7 @@
             <a:fld id="{1D8BD707-D9CF-40AE-B4C6-C98DA3205C09}" type="datetimeFigureOut">
               <a:rPr lang="en-US" smtClean="0"/>
               <a:pPr/>
-              <a:t>2/16/2018</a:t>
+              <a:t>2/20/2018</a:t>
             </a:fld>
             <a:endParaRPr lang="en-US" dirty="0"/>
           </a:p>
@@ -1083,7 +1083,7 @@
             <a:fld id="{1D8BD707-D9CF-40AE-B4C6-C98DA3205C09}" type="datetimeFigureOut">
               <a:rPr lang="en-US" smtClean="0"/>
               <a:pPr/>
-              <a:t>2/16/2018</a:t>
+              <a:t>2/20/2018</a:t>
             </a:fld>
             <a:endParaRPr lang="en-US" dirty="0"/>
           </a:p>
@@ -1265,7 +1265,7 @@
             <a:fld id="{1D8BD707-D9CF-40AE-B4C6-C98DA3205C09}" type="datetimeFigureOut">
               <a:rPr lang="en-US" smtClean="0"/>
               <a:pPr/>
-              <a:t>2/16/2018</a:t>
+              <a:t>2/20/2018</a:t>
             </a:fld>
             <a:endParaRPr lang="en-US" dirty="0"/>
           </a:p>
@@ -1437,7 +1437,7 @@
             <a:fld id="{1D8BD707-D9CF-40AE-B4C6-C98DA3205C09}" type="datetimeFigureOut">
               <a:rPr lang="en-US" smtClean="0"/>
               <a:pPr/>
-              <a:t>2/16/2018</a:t>
+              <a:t>2/20/2018</a:t>
             </a:fld>
             <a:endParaRPr lang="en-US" dirty="0"/>
           </a:p>
@@ -1685,7 +1685,7 @@
             <a:fld id="{1D8BD707-D9CF-40AE-B4C6-C98DA3205C09}" type="datetimeFigureOut">
               <a:rPr lang="en-US" smtClean="0"/>
               <a:pPr/>
-              <a:t>2/16/2018</a:t>
+              <a:t>2/20/2018</a:t>
             </a:fld>
             <a:endParaRPr lang="en-US" dirty="0"/>
           </a:p>
@@ -1975,7 +1975,7 @@
             <a:fld id="{1D8BD707-D9CF-40AE-B4C6-C98DA3205C09}" type="datetimeFigureOut">
               <a:rPr lang="en-US" smtClean="0"/>
               <a:pPr/>
-              <a:t>2/16/2018</a:t>
+              <a:t>2/20/2018</a:t>
             </a:fld>
             <a:endParaRPr lang="en-US" dirty="0"/>
           </a:p>
@@ -2404,7 +2404,7 @@
             <a:fld id="{1D8BD707-D9CF-40AE-B4C6-C98DA3205C09}" type="datetimeFigureOut">
               <a:rPr lang="en-US" smtClean="0"/>
               <a:pPr/>
-              <a:t>2/16/2018</a:t>
+              <a:t>2/20/2018</a:t>
             </a:fld>
             <a:endParaRPr lang="en-US" dirty="0"/>
           </a:p>
@@ -2524,7 +2524,7 @@
             <a:fld id="{1D8BD707-D9CF-40AE-B4C6-C98DA3205C09}" type="datetimeFigureOut">
               <a:rPr lang="en-US" smtClean="0"/>
               <a:pPr/>
-              <a:t>2/16/2018</a:t>
+              <a:t>2/20/2018</a:t>
             </a:fld>
             <a:endParaRPr lang="en-US" dirty="0"/>
           </a:p>
@@ -2621,7 +2621,7 @@
             <a:fld id="{1D8BD707-D9CF-40AE-B4C6-C98DA3205C09}" type="datetimeFigureOut">
               <a:rPr lang="en-US" smtClean="0"/>
               <a:pPr/>
-              <a:t>2/16/2018</a:t>
+              <a:t>2/20/2018</a:t>
             </a:fld>
             <a:endParaRPr lang="en-US" dirty="0"/>
           </a:p>
@@ -2900,7 +2900,7 @@
             <a:fld id="{1D8BD707-D9CF-40AE-B4C6-C98DA3205C09}" type="datetimeFigureOut">
               <a:rPr lang="en-US" smtClean="0"/>
               <a:pPr/>
-              <a:t>2/16/2018</a:t>
+              <a:t>2/20/2018</a:t>
             </a:fld>
             <a:endParaRPr lang="en-US" dirty="0"/>
           </a:p>
@@ -3155,7 +3155,7 @@
             <a:fld id="{1D8BD707-D9CF-40AE-B4C6-C98DA3205C09}" type="datetimeFigureOut">
               <a:rPr lang="en-US" smtClean="0"/>
               <a:pPr/>
-              <a:t>2/16/2018</a:t>
+              <a:t>2/20/2018</a:t>
             </a:fld>
             <a:endParaRPr lang="en-US" dirty="0"/>
           </a:p>
@@ -3370,7 +3370,7 @@
             <a:fld id="{1D8BD707-D9CF-40AE-B4C6-C98DA3205C09}" type="datetimeFigureOut">
               <a:rPr lang="en-US" smtClean="0"/>
               <a:pPr/>
-              <a:t>2/16/2018</a:t>
+              <a:t>2/20/2018</a:t>
             </a:fld>
             <a:endParaRPr lang="en-US" dirty="0"/>
           </a:p>
@@ -4643,42 +4643,6 @@
       </p:sp>
       <p:sp>
         <p:nvSpPr>
-          <p:cNvPr id="19" name="Rectangle 18"/>
-          <p:cNvSpPr/>
-          <p:nvPr/>
-        </p:nvSpPr>
-        <p:spPr>
-          <a:xfrm>
-            <a:off x="3874955" y="2933700"/>
-            <a:ext cx="651140" cy="369332"/>
-          </a:xfrm>
-          <a:prstGeom prst="rect">
-            <a:avLst/>
-          </a:prstGeom>
-        </p:spPr>
-        <p:txBody>
-          <a:bodyPr wrap="none">
-            <a:spAutoFit/>
-          </a:bodyPr>
-          <a:lstStyle/>
-          <a:p>
-            <a:pPr algn="ctr"/>
-            <a:r>
-              <a:rPr lang="en-US" sz="900" dirty="0" smtClean="0"/>
-              <a:t>Employee</a:t>
-            </a:r>
-          </a:p>
-          <a:p>
-            <a:r>
-              <a:rPr lang="en-US" sz="900" dirty="0" smtClean="0"/>
-              <a:t>   Object</a:t>
-            </a:r>
-            <a:endParaRPr lang="en-US" sz="900" dirty="0"/>
-          </a:p>
-        </p:txBody>
-      </p:sp>
-      <p:sp>
-        <p:nvSpPr>
           <p:cNvPr id="22" name="Rectangular Callout 21"/>
           <p:cNvSpPr/>
           <p:nvPr/>
@@ -4790,19 +4754,7 @@
             </a:r>
             <a:r>
               <a:rPr lang="en-US" sz="1100" dirty="0" smtClean="0"/>
-              <a:t>reate the </a:t>
-            </a:r>
-            <a:r>
-              <a:rPr lang="en-US" sz="1100" dirty="0" smtClean="0"/>
-              <a:t>Animal</a:t>
-            </a:r>
-            <a:r>
-              <a:rPr lang="en-US" sz="1100" dirty="0" smtClean="0"/>
-              <a:t> </a:t>
-            </a:r>
-            <a:r>
-              <a:rPr lang="en-US" sz="1100" dirty="0" smtClean="0"/>
-              <a:t>object.</a:t>
+              <a:t>reate the Animal object.</a:t>
             </a:r>
           </a:p>
           <a:p>
@@ -4812,19 +4764,7 @@
             </a:pPr>
             <a:r>
               <a:rPr lang="en-US" sz="1100" dirty="0" smtClean="0"/>
-              <a:t>Configure the  </a:t>
-            </a:r>
-            <a:r>
-              <a:rPr lang="en-US" sz="1100" dirty="0" smtClean="0"/>
-              <a:t>Animal</a:t>
-            </a:r>
-            <a:r>
-              <a:rPr lang="en-US" sz="1100" dirty="0" smtClean="0"/>
-              <a:t> </a:t>
-            </a:r>
-            <a:r>
-              <a:rPr lang="en-US" sz="1100" dirty="0" smtClean="0"/>
-              <a:t>object.</a:t>
+              <a:t>Configure the  Animal object.</a:t>
             </a:r>
           </a:p>
           <a:p>
@@ -4838,19 +4778,7 @@
             </a:r>
             <a:r>
               <a:rPr lang="en-US" sz="1100" dirty="0" smtClean="0"/>
-              <a:t>anage </a:t>
-            </a:r>
-            <a:r>
-              <a:rPr lang="en-US" sz="1100" dirty="0" smtClean="0"/>
-              <a:t>Animal</a:t>
-            </a:r>
-            <a:r>
-              <a:rPr lang="en-US" sz="1100" dirty="0" smtClean="0"/>
-              <a:t> </a:t>
-            </a:r>
-            <a:r>
-              <a:rPr lang="en-US" sz="1100" dirty="0" smtClean="0"/>
-              <a:t>object complete </a:t>
+              <a:t>anage Animal object complete </a:t>
             </a:r>
             <a:r>
               <a:rPr lang="en-US" sz="1100" dirty="0"/>
@@ -5199,6 +5127,47 @@
           </a:fontRef>
         </p:style>
       </p:pic>
+      <p:sp>
+        <p:nvSpPr>
+          <p:cNvPr id="21" name="Rectangle 20"/>
+          <p:cNvSpPr/>
+          <p:nvPr/>
+        </p:nvSpPr>
+        <p:spPr>
+          <a:xfrm>
+            <a:off x="3859714" y="2870328"/>
+            <a:ext cx="761747" cy="507831"/>
+          </a:xfrm>
+          <a:prstGeom prst="rect">
+            <a:avLst/>
+          </a:prstGeom>
+        </p:spPr>
+        <p:txBody>
+          <a:bodyPr wrap="none">
+            <a:spAutoFit/>
+          </a:bodyPr>
+          <a:lstStyle/>
+          <a:p>
+            <a:r>
+              <a:rPr lang="en-US" sz="900" dirty="0" smtClean="0"/>
+              <a:t>Animal(</a:t>
+            </a:r>
+          </a:p>
+          <a:p>
+            <a:r>
+              <a:rPr lang="en-US" sz="900" dirty="0" smtClean="0"/>
+              <a:t>Dog or Cow)</a:t>
+            </a:r>
+          </a:p>
+          <a:p>
+            <a:r>
+              <a:rPr lang="en-US" sz="900" dirty="0" smtClean="0"/>
+              <a:t>Object</a:t>
+            </a:r>
+            <a:endParaRPr lang="en-US" sz="900" dirty="0"/>
+          </a:p>
+        </p:txBody>
+      </p:sp>
     </p:spTree>
     <p:extLst>
       <p:ext uri="{BB962C8B-B14F-4D97-AF65-F5344CB8AC3E}">
